--- a/trabajo_K-Means/Presentacion_K-Means_JaviJose.pptx
+++ b/trabajo_K-Means/Presentacion_K-Means_JaviJose.pptx
@@ -214,7 +214,7 @@
           <a:p>
             <a:fld id="{D8CF5A53-9A93-4418-886A-7CD7FEC35CA6}" type="datetimeFigureOut">
               <a:rPr lang="es-ES" smtClean="0"/>
-              <a:t>19/04/2018</a:t>
+              <a:t>20/04/2018</a:t>
             </a:fld>
             <a:endParaRPr lang="es-ES"/>
           </a:p>
@@ -1144,7 +1144,7 @@
             <a:fld id="{934A2FF8-4559-4149-8B79-D85ED6F0B853}" type="datetime1">
               <a:rPr lang="es-ES" smtClean="0"/>
               <a:pPr/>
-              <a:t>19/04/2018</a:t>
+              <a:t>20/04/2018</a:t>
             </a:fld>
             <a:r>
               <a:rPr lang="es-ES" dirty="0"/>
@@ -1473,7 +1473,7 @@
             <a:fld id="{99FE88BC-BA9C-41DB-8175-8FC1D1B95355}" type="datetime1">
               <a:rPr lang="es-ES" smtClean="0"/>
               <a:pPr/>
-              <a:t>19/04/2018</a:t>
+              <a:t>20/04/2018</a:t>
             </a:fld>
             <a:r>
               <a:rPr lang="es-ES" dirty="0"/>
@@ -1667,7 +1667,7 @@
             <a:fld id="{7776A268-E945-41BF-9F85-D7A3B8400346}" type="datetime1">
               <a:rPr lang="es-ES" smtClean="0"/>
               <a:pPr/>
-              <a:t>19/04/2018</a:t>
+              <a:t>20/04/2018</a:t>
             </a:fld>
             <a:endParaRPr lang="es-ES" dirty="0"/>
           </a:p>
@@ -1868,7 +1868,7 @@
             <a:fld id="{CEC05348-D021-422A-8D9F-89EEB8C0F442}" type="datetime1">
               <a:rPr lang="es-ES" smtClean="0"/>
               <a:pPr/>
-              <a:t>19/04/2018</a:t>
+              <a:t>20/04/2018</a:t>
             </a:fld>
             <a:endParaRPr lang="es-ES" dirty="0"/>
           </a:p>
@@ -2146,7 +2146,7 @@
             <a:fld id="{D74F43DC-6EDA-4D74-8B4D-EE036F982A34}" type="datetime1">
               <a:rPr lang="es-ES" smtClean="0"/>
               <a:pPr/>
-              <a:t>19/04/2018</a:t>
+              <a:t>20/04/2018</a:t>
             </a:fld>
             <a:endParaRPr lang="es-ES" dirty="0"/>
           </a:p>
@@ -3219,7 +3219,7 @@
             <a:fld id="{2385DCDB-4A77-4170-9E07-5F1D7C0A0A5B}" type="datetime1">
               <a:rPr lang="es-ES" smtClean="0"/>
               <a:pPr/>
-              <a:t>19/04/2018</a:t>
+              <a:t>20/04/2018</a:t>
             </a:fld>
             <a:endParaRPr lang="es-ES" dirty="0"/>
           </a:p>
@@ -3538,7 +3538,7 @@
             <a:fld id="{B3C6D8C4-ADF9-42A1-9ABC-C61A9E9D2D08}" type="datetime1">
               <a:rPr lang="es-ES" smtClean="0"/>
               <a:pPr/>
-              <a:t>19/04/2018</a:t>
+              <a:t>20/04/2018</a:t>
             </a:fld>
             <a:endParaRPr lang="es-ES" dirty="0"/>
           </a:p>
@@ -3927,7 +3927,7 @@
             <a:fld id="{5B79CF11-FD05-4F88-8EC3-5D4F176B79FC}" type="datetime1">
               <a:rPr lang="es-ES" smtClean="0"/>
               <a:pPr/>
-              <a:t>19/04/2018</a:t>
+              <a:t>20/04/2018</a:t>
             </a:fld>
             <a:endParaRPr lang="es-ES" dirty="0"/>
           </a:p>
@@ -4066,7 +4066,7 @@
             <a:fld id="{FEAFC309-1B63-44A4-A9FC-29FA1501E26B}" type="datetime1">
               <a:rPr lang="es-ES" smtClean="0"/>
               <a:pPr/>
-              <a:t>19/04/2018</a:t>
+              <a:t>20/04/2018</a:t>
             </a:fld>
             <a:endParaRPr lang="es-ES" dirty="0"/>
           </a:p>
@@ -4177,7 +4177,7 @@
             <a:fld id="{87850802-155D-414A-A9FD-662B6F0E4656}" type="datetime1">
               <a:rPr lang="es-ES" smtClean="0"/>
               <a:pPr/>
-              <a:t>19/04/2018</a:t>
+              <a:t>20/04/2018</a:t>
             </a:fld>
             <a:r>
               <a:rPr lang="es-ES" dirty="0"/>
@@ -4480,7 +4480,7 @@
             <a:fld id="{5146D9C0-42AF-411F-B87E-5CF0AD6A3E2D}" type="datetime1">
               <a:rPr lang="es-ES" smtClean="0"/>
               <a:pPr/>
-              <a:t>19/04/2018</a:t>
+              <a:t>20/04/2018</a:t>
             </a:fld>
             <a:endParaRPr lang="es-ES" dirty="0"/>
           </a:p>
@@ -4737,7 +4737,7 @@
             <a:fld id="{EB0EBC17-0101-4DBA-89EA-55E7A4727CA3}" type="datetime1">
               <a:rPr lang="es-ES" noProof="0" smtClean="0"/>
               <a:pPr/>
-              <a:t>19/04/2018</a:t>
+              <a:t>20/04/2018</a:t>
             </a:fld>
             <a:endParaRPr lang="es-ES" noProof="0" dirty="0"/>
           </a:p>
